--- a/IOT.Presantaion (1).pptx
+++ b/IOT.Presantaion (1).pptx
@@ -6284,14 +6284,14 @@
               </a:spcBef>
             </a:pPr>
             <a:r>
-              <a:rPr lang="en-US" sz="1600" b="1" dirty="0">
+              <a:rPr lang="en-US" sz="1600" b="1">
                 <a:solidFill>
                   <a:schemeClr val="tx1"/>
                 </a:solidFill>
                 <a:latin typeface="Times New Roman"/>
                 <a:cs typeface="Times New Roman"/>
               </a:rPr>
-              <a:t>Students:</a:t>
+              <a:t>Student:</a:t>
             </a:r>
             <a:endParaRPr lang="en-US" sz="1600" dirty="0">
               <a:solidFill>
@@ -6300,36 +6300,6 @@
               <a:latin typeface="Times New Roman"/>
               <a:cs typeface="Times New Roman"/>
             </a:endParaRPr>
-          </a:p>
-          <a:p>
-            <a:pPr marL="12700">
-              <a:lnSpc>
-                <a:spcPct val="100000"/>
-              </a:lnSpc>
-              <a:spcBef>
-                <a:spcPts val="1420"/>
-              </a:spcBef>
-            </a:pPr>
-            <a:r>
-              <a:rPr lang="en-US" sz="1600" dirty="0">
-                <a:solidFill>
-                  <a:schemeClr val="tx1"/>
-                </a:solidFill>
-                <a:latin typeface="Times New Roman"/>
-                <a:cs typeface="Times New Roman"/>
-              </a:rPr>
-              <a:t>ZAHRAMAN</a:t>
-            </a:r>
-            <a:r>
-              <a:rPr lang="en-US" sz="1600" spc="-45" dirty="0">
-                <a:solidFill>
-                  <a:schemeClr val="tx1"/>
-                </a:solidFill>
-                <a:latin typeface="Times New Roman"/>
-                <a:cs typeface="Times New Roman"/>
-              </a:rPr>
-              <a:t> Bilal</a:t>
-            </a:r>
           </a:p>
           <a:p>
             <a:pPr marL="12700">
